--- a/img/New Microsoft PowerPoint Presentation_007.pptx
+++ b/img/New Microsoft PowerPoint Presentation_007.pptx
@@ -215,7 +215,7 @@
           <a:p>
             <a:fld id="{2D7F4E20-B7DC-4785-BBCC-9CCC6FECB3C8}" type="datetimeFigureOut">
               <a:rPr lang="en-US" smtClean="0"/>
-              <a:t>1/28/2016</a:t>
+              <a:t>1/30/2016</a:t>
             </a:fld>
             <a:endParaRPr lang="en-US"/>
           </a:p>
@@ -845,7 +845,7 @@
             <a:fld id="{1D8BD707-D9CF-40AE-B4C6-C98DA3205C09}" type="datetimeFigureOut">
               <a:rPr lang="en-US" smtClean="0"/>
               <a:pPr/>
-              <a:t>1/28/2016</a:t>
+              <a:t>1/30/2016</a:t>
             </a:fld>
             <a:endParaRPr lang="en-US"/>
           </a:p>
@@ -1055,7 +1055,7 @@
             <a:fld id="{1D8BD707-D9CF-40AE-B4C6-C98DA3205C09}" type="datetimeFigureOut">
               <a:rPr lang="en-US" smtClean="0"/>
               <a:pPr/>
-              <a:t>1/28/2016</a:t>
+              <a:t>1/30/2016</a:t>
             </a:fld>
             <a:endParaRPr lang="en-US"/>
           </a:p>
@@ -4138,64 +4138,53 @@
             <a:pPr marL="0" indent="0">
               <a:buNone/>
             </a:pPr>
-            <a:r>
-              <a:rPr lang="en-US" sz="1200" dirty="0" smtClean="0"/>
-              <a:t>In norm-optimal ILC, the input signal for the next trial is generated by solving an optimization problem. This approach can deal with input constraints efficiently. The cost function of the optimization problem relies on the system model, hence model </a:t>
-            </a:r>
-            <a:r>
-              <a:rPr lang="en-US" sz="1200" dirty="0"/>
-              <a:t>uncertainty </a:t>
-            </a:r>
-            <a:r>
-              <a:rPr lang="en-US" sz="1200" dirty="0" smtClean="0"/>
-              <a:t>can cause divergence  and/or degrade </a:t>
-            </a:r>
-            <a:r>
-              <a:rPr lang="en-US" sz="1200" dirty="0"/>
-              <a:t>the performance </a:t>
-            </a:r>
-            <a:r>
-              <a:rPr lang="en-US" sz="1200" dirty="0" smtClean="0"/>
-              <a:t>of norm-optimal ILC. </a:t>
-            </a:r>
-            <a:r>
-              <a:rPr lang="en-US" sz="1200" dirty="0"/>
-              <a:t>To deal with this problem, </a:t>
-            </a:r>
-            <a:r>
-              <a:rPr lang="en-US" sz="1200" dirty="0" smtClean="0"/>
-              <a:t>we propose a </a:t>
-            </a:r>
-            <a:r>
-              <a:rPr lang="en-US" sz="1200" dirty="0"/>
-              <a:t>robust worst-case norm-optimal ILC </a:t>
-            </a:r>
-            <a:r>
-              <a:rPr lang="en-US" sz="1200" dirty="0" smtClean="0"/>
-              <a:t>design, where model uncertainty is taken into account. </a:t>
-            </a:r>
-            <a:r>
-              <a:rPr lang="en-US" sz="1200" dirty="0"/>
-              <a:t>The design problem is reformulated as a convex optimization problem, </a:t>
-            </a:r>
-            <a:r>
-              <a:rPr lang="en-US" sz="1200" dirty="0" smtClean="0"/>
-              <a:t>and can </a:t>
-            </a:r>
-            <a:r>
-              <a:rPr lang="en-US" sz="1200" dirty="0"/>
-              <a:t>be solved </a:t>
-            </a:r>
-            <a:r>
-              <a:rPr lang="en-US" sz="1200" dirty="0" smtClean="0"/>
-              <a:t>efficiently to obtain the updated input signal. </a:t>
-            </a:r>
+            <a:endParaRPr lang="en-US" sz="1200" dirty="0"/>
           </a:p>
           <a:p>
             <a:pPr marL="0" indent="0">
               <a:buNone/>
             </a:pPr>
-            <a:endParaRPr lang="en-US" sz="1200" dirty="0"/>
+            <a:r>
+              <a:rPr lang="en-US" sz="1200" dirty="0" smtClean="0"/>
+              <a:t>The novelty </a:t>
+            </a:r>
+            <a:r>
+              <a:rPr lang="en-US" sz="1200" dirty="0"/>
+              <a:t>of this work has two folds</a:t>
+            </a:r>
+            <a:r>
+              <a:rPr lang="en-US" sz="1200" dirty="0" smtClean="0"/>
+              <a:t>. First, we aim to design a one-step </a:t>
+            </a:r>
+            <a:r>
+              <a:rPr lang="en-US" sz="1200" dirty="0"/>
+              <a:t>optimization based ILC design to solve for </a:t>
+            </a:r>
+            <a:r>
+              <a:rPr lang="en-US" sz="1200" dirty="0" err="1"/>
+              <a:t>noncausal</a:t>
+            </a:r>
+            <a:r>
+              <a:rPr lang="en-US" sz="1200" dirty="0"/>
+              <a:t> Q-filter and learning function simultaneously. </a:t>
+            </a:r>
+            <a:r>
+              <a:rPr lang="en-US" sz="1200" dirty="0" smtClean="0"/>
+              <a:t>Second, </a:t>
+            </a:r>
+            <a:r>
+              <a:rPr lang="en-US" sz="1200" dirty="0"/>
+              <a:t>multiple ILC objectives are incorporated into our </a:t>
+            </a:r>
+            <a:r>
+              <a:rPr lang="en-US" sz="1200" dirty="0" smtClean="0"/>
+              <a:t>ILC algorithm</a:t>
+            </a:r>
+            <a:r>
+              <a:rPr lang="en-US" sz="1200" dirty="0"/>
+              <a:t>. </a:t>
+            </a:r>
+            <a:endParaRPr lang="en-US" sz="1200" dirty="0" smtClean="0"/>
           </a:p>
           <a:p>
             <a:pPr marL="0" indent="0">
@@ -4204,9 +4193,155 @@
             <a:endParaRPr lang="en-US" sz="1200" dirty="0" smtClean="0"/>
           </a:p>
           <a:p>
+            <a:r>
+              <a:rPr lang="en-US" sz="1200" dirty="0"/>
+              <a:t>\begin{align</a:t>
+            </a:r>
+            <a:r>
+              <a:rPr lang="en-US" sz="1200" dirty="0" smtClean="0"/>
+              <a:t>}</a:t>
+            </a:r>
+          </a:p>
+          <a:p>
+            <a:r>
+              <a:rPr lang="en-US" sz="1200" dirty="0" smtClean="0"/>
+              <a:t>\</a:t>
+            </a:r>
+            <a:r>
+              <a:rPr lang="en-US" sz="1200" dirty="0"/>
+              <a:t>begin{array}{</a:t>
+            </a:r>
+            <a:r>
+              <a:rPr lang="en-US" sz="1200" dirty="0" err="1"/>
+              <a:t>ll</a:t>
+            </a:r>
+            <a:r>
+              <a:rPr lang="en-US" sz="1200" dirty="0"/>
+              <a:t>}</a:t>
+            </a:r>
+          </a:p>
+          <a:p>
+            <a:r>
+              <a:rPr lang="en-US" sz="1200" dirty="0"/>
+              <a:t>\</a:t>
+            </a:r>
+            <a:r>
+              <a:rPr lang="en-US" sz="1200" dirty="0" err="1" smtClean="0"/>
+              <a:t>displaystyle</a:t>
+            </a:r>
+            <a:r>
+              <a:rPr lang="en-US" sz="1200" dirty="0" smtClean="0"/>
+              <a:t>\min_{</a:t>
+            </a:r>
+            <a:r>
+              <a:rPr lang="en-US" sz="1200" dirty="0"/>
+              <a:t>Q(\</a:t>
+            </a:r>
+            <a:r>
+              <a:rPr lang="en-US" sz="1200" dirty="0" err="1"/>
+              <a:t>mathrm</a:t>
+            </a:r>
+            <a:r>
+              <a:rPr lang="en-US" sz="1200" dirty="0"/>
+              <a:t>{q}),\; L(\</a:t>
+            </a:r>
+            <a:r>
+              <a:rPr lang="en-US" sz="1200" dirty="0" err="1"/>
+              <a:t>mathrm</a:t>
+            </a:r>
+            <a:r>
+              <a:rPr lang="en-US" sz="1200" dirty="0"/>
+              <a:t>{q})} &amp; \</a:t>
+            </a:r>
+            <a:r>
+              <a:rPr lang="en-US" sz="1200" dirty="0" smtClean="0"/>
+              <a:t>text{convergence </a:t>
+            </a:r>
+            <a:r>
+              <a:rPr lang="en-US" sz="1200" dirty="0"/>
+              <a:t>speed} \\</a:t>
+            </a:r>
+          </a:p>
+          <a:p>
+            <a:r>
+              <a:rPr lang="en-US" sz="1200" dirty="0" smtClean="0"/>
+              <a:t>\text{subject to} </a:t>
+            </a:r>
+            <a:r>
+              <a:rPr lang="en-US" sz="1200" dirty="0"/>
+              <a:t>&amp; \</a:t>
+            </a:r>
+            <a:r>
+              <a:rPr lang="en-US" sz="1200" dirty="0" smtClean="0"/>
+              <a:t>text{robust </a:t>
+            </a:r>
+            <a:r>
+              <a:rPr lang="en-US" sz="1200" dirty="0"/>
+              <a:t>convergence} </a:t>
+            </a:r>
+            <a:r>
+              <a:rPr lang="en-US" sz="1200" dirty="0" smtClean="0"/>
+              <a:t>\\ </a:t>
+            </a:r>
+            <a:endParaRPr lang="en-US" sz="1200" dirty="0"/>
+          </a:p>
+          <a:p>
+            <a:r>
+              <a:rPr lang="en-US" sz="1200" dirty="0"/>
+              <a:t>&amp; \</a:t>
+            </a:r>
+            <a:r>
+              <a:rPr lang="en-US" sz="1200" dirty="0" smtClean="0"/>
+              <a:t>text{robust performance}\\ </a:t>
+            </a:r>
+            <a:endParaRPr lang="en-US" sz="1200" dirty="0"/>
+          </a:p>
+          <a:p>
+            <a:r>
+              <a:rPr lang="en-US" sz="1200" dirty="0"/>
+              <a:t>&amp; \</a:t>
+            </a:r>
+            <a:r>
+              <a:rPr lang="en-US" sz="1200" dirty="0" smtClean="0"/>
+              <a:t>text{input </a:t>
+            </a:r>
+            <a:r>
+              <a:rPr lang="en-US" sz="1200" dirty="0"/>
+              <a:t>constraint</a:t>
+            </a:r>
+            <a:r>
+              <a:rPr lang="en-US" sz="1200" dirty="0" smtClean="0"/>
+              <a:t>}.</a:t>
+            </a:r>
+            <a:endParaRPr lang="en-US" sz="1200" dirty="0"/>
+          </a:p>
+          <a:p>
+            <a:r>
+              <a:rPr lang="en-US" sz="1200" dirty="0"/>
+              <a:t>\end{array}</a:t>
+            </a:r>
+          </a:p>
+          <a:p>
+            <a:r>
+              <a:rPr lang="en-US" sz="1200" dirty="0"/>
+              <a:t>\end{align</a:t>
+            </a:r>
+            <a:r>
+              <a:rPr lang="en-US" sz="1200" dirty="0" smtClean="0"/>
+              <a:t>}</a:t>
+            </a:r>
+          </a:p>
+          <a:p>
+            <a:endParaRPr lang="en-US" sz="1200" dirty="0" smtClean="0"/>
+          </a:p>
+          <a:p>
             <a:pPr marL="0" indent="0">
               <a:buNone/>
             </a:pPr>
+            <a:r>
+              <a:rPr lang="en-US" sz="1200" dirty="0" smtClean="0"/>
+              <a:t>We reformulate the problem as a convex problem, guaranteeing an efficient and reliable computation of the global optimum and allowing straightforward computation of trade-off curves between different performance indices. These trade-off curves aid the control engineers in selecting their desired controller taking into account different objectives.</a:t>
+            </a:r>
             <a:endParaRPr lang="en-US" sz="1200" dirty="0"/>
           </a:p>
         </p:txBody>
